--- a/nih/Slides/GitSlides.pptx
+++ b/nih/Slides/GitSlides.pptx
@@ -12,6 +12,7 @@
     <p:sldId id="259" r:id="rId7"/>
     <p:sldId id="260" r:id="rId8"/>
     <p:sldId id="261" r:id="rId9"/>
+    <p:sldId id="262" r:id="rId10"/>
   </p:sldIdLst>
   <p:sldSz cx="9144000" cy="6858000"/>
   <p:notesSz cx="7772400" cy="10058400"/>
@@ -59,7 +60,7 @@
       </p:grpSpPr>
       <p:sp>
         <p:nvSpPr>
-          <p:cNvPr id="24" name="PlaceHolder 1"/>
+          <p:cNvPr id="23" name="PlaceHolder 1"/>
           <p:cNvSpPr>
             <a:spLocks noGrp="1"/>
           </p:cNvSpPr>
@@ -86,7 +87,7 @@
       </p:sp>
       <p:sp>
         <p:nvSpPr>
-          <p:cNvPr id="25" name="PlaceHolder 2"/>
+          <p:cNvPr id="24" name="PlaceHolder 2"/>
           <p:cNvSpPr>
             <a:spLocks noGrp="1"/>
           </p:cNvSpPr>
@@ -112,7 +113,7 @@
       </p:sp>
       <p:sp>
         <p:nvSpPr>
-          <p:cNvPr id="26" name="PlaceHolder 3"/>
+          <p:cNvPr id="25" name="PlaceHolder 3"/>
           <p:cNvSpPr>
             <a:spLocks noGrp="1"/>
           </p:cNvSpPr>
@@ -160,7 +161,7 @@
       </p:grpSpPr>
       <p:sp>
         <p:nvSpPr>
-          <p:cNvPr id="27" name="PlaceHolder 1"/>
+          <p:cNvPr id="26" name="PlaceHolder 1"/>
           <p:cNvSpPr>
             <a:spLocks noGrp="1"/>
           </p:cNvSpPr>
@@ -187,7 +188,7 @@
       </p:sp>
       <p:sp>
         <p:nvSpPr>
-          <p:cNvPr id="28" name="PlaceHolder 2"/>
+          <p:cNvPr id="27" name="PlaceHolder 2"/>
           <p:cNvSpPr>
             <a:spLocks noGrp="1"/>
           </p:cNvSpPr>
@@ -213,7 +214,7 @@
       </p:sp>
       <p:sp>
         <p:nvSpPr>
-          <p:cNvPr id="29" name="PlaceHolder 3"/>
+          <p:cNvPr id="28" name="PlaceHolder 3"/>
           <p:cNvSpPr>
             <a:spLocks noGrp="1"/>
           </p:cNvSpPr>
@@ -239,7 +240,7 @@
       </p:sp>
       <p:sp>
         <p:nvSpPr>
-          <p:cNvPr id="30" name="PlaceHolder 4"/>
+          <p:cNvPr id="29" name="PlaceHolder 4"/>
           <p:cNvSpPr>
             <a:spLocks noGrp="1"/>
           </p:cNvSpPr>
@@ -265,7 +266,7 @@
       </p:sp>
       <p:sp>
         <p:nvSpPr>
-          <p:cNvPr id="31" name="PlaceHolder 5"/>
+          <p:cNvPr id="30" name="PlaceHolder 5"/>
           <p:cNvSpPr>
             <a:spLocks noGrp="1"/>
           </p:cNvSpPr>
@@ -313,7 +314,7 @@
       </p:grpSpPr>
       <p:sp>
         <p:nvSpPr>
-          <p:cNvPr id="32" name="PlaceHolder 1"/>
+          <p:cNvPr id="31" name="PlaceHolder 1"/>
           <p:cNvSpPr>
             <a:spLocks noGrp="1"/>
           </p:cNvSpPr>
@@ -340,7 +341,7 @@
       </p:sp>
       <p:sp>
         <p:nvSpPr>
-          <p:cNvPr id="33" name="PlaceHolder 2"/>
+          <p:cNvPr id="32" name="PlaceHolder 2"/>
           <p:cNvSpPr>
             <a:spLocks noGrp="1"/>
           </p:cNvSpPr>
@@ -366,7 +367,7 @@
       </p:sp>
       <p:sp>
         <p:nvSpPr>
-          <p:cNvPr id="34" name="PlaceHolder 3"/>
+          <p:cNvPr id="33" name="PlaceHolder 3"/>
           <p:cNvSpPr>
             <a:spLocks noGrp="1"/>
           </p:cNvSpPr>
@@ -392,7 +393,7 @@
       </p:sp>
       <p:pic>
         <p:nvPicPr>
-          <p:cNvPr id="35" name="" descr=""/>
+          <p:cNvPr id="34" name="" descr=""/>
           <p:cNvPicPr/>
           <p:nvPr/>
         </p:nvPicPr>
@@ -415,7 +416,7 @@
       </p:pic>
       <p:pic>
         <p:nvPicPr>
-          <p:cNvPr id="36" name="" descr=""/>
+          <p:cNvPr id="35" name="" descr=""/>
           <p:cNvPicPr/>
           <p:nvPr/>
         </p:nvPicPr>
@@ -482,7 +483,7 @@
       </p:grpSpPr>
       <p:sp>
         <p:nvSpPr>
-          <p:cNvPr id="39" name="PlaceHolder 1"/>
+          <p:cNvPr id="38" name="PlaceHolder 1"/>
           <p:cNvSpPr>
             <a:spLocks noGrp="1"/>
           </p:cNvSpPr>
@@ -509,7 +510,7 @@
       </p:sp>
       <p:sp>
         <p:nvSpPr>
-          <p:cNvPr id="40" name="PlaceHolder 2"/>
+          <p:cNvPr id="39" name="PlaceHolder 2"/>
           <p:cNvSpPr>
             <a:spLocks noGrp="1"/>
           </p:cNvSpPr>
@@ -558,7 +559,7 @@
       </p:grpSpPr>
       <p:sp>
         <p:nvSpPr>
-          <p:cNvPr id="41" name="PlaceHolder 1"/>
+          <p:cNvPr id="40" name="PlaceHolder 1"/>
           <p:cNvSpPr>
             <a:spLocks noGrp="1"/>
           </p:cNvSpPr>
@@ -585,7 +586,7 @@
       </p:sp>
       <p:sp>
         <p:nvSpPr>
-          <p:cNvPr id="42" name="PlaceHolder 2"/>
+          <p:cNvPr id="41" name="PlaceHolder 2"/>
           <p:cNvSpPr>
             <a:spLocks noGrp="1"/>
           </p:cNvSpPr>
@@ -633,7 +634,7 @@
       </p:grpSpPr>
       <p:sp>
         <p:nvSpPr>
-          <p:cNvPr id="43" name="PlaceHolder 1"/>
+          <p:cNvPr id="42" name="PlaceHolder 1"/>
           <p:cNvSpPr>
             <a:spLocks noGrp="1"/>
           </p:cNvSpPr>
@@ -660,7 +661,7 @@
       </p:sp>
       <p:sp>
         <p:nvSpPr>
-          <p:cNvPr id="44" name="PlaceHolder 2"/>
+          <p:cNvPr id="43" name="PlaceHolder 2"/>
           <p:cNvSpPr>
             <a:spLocks noGrp="1"/>
           </p:cNvSpPr>
@@ -686,7 +687,7 @@
       </p:sp>
       <p:sp>
         <p:nvSpPr>
-          <p:cNvPr id="45" name="PlaceHolder 3"/>
+          <p:cNvPr id="44" name="PlaceHolder 3"/>
           <p:cNvSpPr>
             <a:spLocks noGrp="1"/>
           </p:cNvSpPr>
@@ -734,7 +735,7 @@
       </p:grpSpPr>
       <p:sp>
         <p:nvSpPr>
-          <p:cNvPr id="46" name="PlaceHolder 1"/>
+          <p:cNvPr id="45" name="PlaceHolder 1"/>
           <p:cNvSpPr>
             <a:spLocks noGrp="1"/>
           </p:cNvSpPr>
@@ -783,7 +784,7 @@
       </p:grpSpPr>
       <p:sp>
         <p:nvSpPr>
-          <p:cNvPr id="47" name="PlaceHolder 1"/>
+          <p:cNvPr id="46" name="PlaceHolder 1"/>
           <p:cNvSpPr>
             <a:spLocks noGrp="1"/>
           </p:cNvSpPr>
@@ -832,7 +833,7 @@
       </p:grpSpPr>
       <p:sp>
         <p:nvSpPr>
-          <p:cNvPr id="48" name="PlaceHolder 1"/>
+          <p:cNvPr id="47" name="PlaceHolder 1"/>
           <p:cNvSpPr>
             <a:spLocks noGrp="1"/>
           </p:cNvSpPr>
@@ -859,7 +860,7 @@
       </p:sp>
       <p:sp>
         <p:nvSpPr>
-          <p:cNvPr id="49" name="PlaceHolder 2"/>
+          <p:cNvPr id="48" name="PlaceHolder 2"/>
           <p:cNvSpPr>
             <a:spLocks noGrp="1"/>
           </p:cNvSpPr>
@@ -885,7 +886,7 @@
       </p:sp>
       <p:sp>
         <p:nvSpPr>
-          <p:cNvPr id="50" name="PlaceHolder 3"/>
+          <p:cNvPr id="49" name="PlaceHolder 3"/>
           <p:cNvSpPr>
             <a:spLocks noGrp="1"/>
           </p:cNvSpPr>
@@ -911,7 +912,7 @@
       </p:sp>
       <p:sp>
         <p:nvSpPr>
-          <p:cNvPr id="51" name="PlaceHolder 4"/>
+          <p:cNvPr id="50" name="PlaceHolder 4"/>
           <p:cNvSpPr>
             <a:spLocks noGrp="1"/>
           </p:cNvSpPr>
@@ -959,7 +960,7 @@
       </p:grpSpPr>
       <p:sp>
         <p:nvSpPr>
-          <p:cNvPr id="3" name="PlaceHolder 1"/>
+          <p:cNvPr id="2" name="PlaceHolder 1"/>
           <p:cNvSpPr>
             <a:spLocks noGrp="1"/>
           </p:cNvSpPr>
@@ -986,7 +987,7 @@
       </p:sp>
       <p:sp>
         <p:nvSpPr>
-          <p:cNvPr id="4" name="PlaceHolder 2"/>
+          <p:cNvPr id="3" name="PlaceHolder 2"/>
           <p:cNvSpPr>
             <a:spLocks noGrp="1"/>
           </p:cNvSpPr>
@@ -1035,7 +1036,7 @@
       </p:grpSpPr>
       <p:sp>
         <p:nvSpPr>
-          <p:cNvPr id="52" name="PlaceHolder 1"/>
+          <p:cNvPr id="51" name="PlaceHolder 1"/>
           <p:cNvSpPr>
             <a:spLocks noGrp="1"/>
           </p:cNvSpPr>
@@ -1062,7 +1063,7 @@
       </p:sp>
       <p:sp>
         <p:nvSpPr>
-          <p:cNvPr id="53" name="PlaceHolder 2"/>
+          <p:cNvPr id="52" name="PlaceHolder 2"/>
           <p:cNvSpPr>
             <a:spLocks noGrp="1"/>
           </p:cNvSpPr>
@@ -1088,7 +1089,7 @@
       </p:sp>
       <p:sp>
         <p:nvSpPr>
-          <p:cNvPr id="54" name="PlaceHolder 3"/>
+          <p:cNvPr id="53" name="PlaceHolder 3"/>
           <p:cNvSpPr>
             <a:spLocks noGrp="1"/>
           </p:cNvSpPr>
@@ -1114,7 +1115,7 @@
       </p:sp>
       <p:sp>
         <p:nvSpPr>
-          <p:cNvPr id="55" name="PlaceHolder 4"/>
+          <p:cNvPr id="54" name="PlaceHolder 4"/>
           <p:cNvSpPr>
             <a:spLocks noGrp="1"/>
           </p:cNvSpPr>
@@ -1162,7 +1163,7 @@
       </p:grpSpPr>
       <p:sp>
         <p:nvSpPr>
-          <p:cNvPr id="56" name="PlaceHolder 1"/>
+          <p:cNvPr id="55" name="PlaceHolder 1"/>
           <p:cNvSpPr>
             <a:spLocks noGrp="1"/>
           </p:cNvSpPr>
@@ -1189,7 +1190,7 @@
       </p:sp>
       <p:sp>
         <p:nvSpPr>
-          <p:cNvPr id="57" name="PlaceHolder 2"/>
+          <p:cNvPr id="56" name="PlaceHolder 2"/>
           <p:cNvSpPr>
             <a:spLocks noGrp="1"/>
           </p:cNvSpPr>
@@ -1215,7 +1216,7 @@
       </p:sp>
       <p:sp>
         <p:nvSpPr>
-          <p:cNvPr id="58" name="PlaceHolder 3"/>
+          <p:cNvPr id="57" name="PlaceHolder 3"/>
           <p:cNvSpPr>
             <a:spLocks noGrp="1"/>
           </p:cNvSpPr>
@@ -1241,7 +1242,7 @@
       </p:sp>
       <p:sp>
         <p:nvSpPr>
-          <p:cNvPr id="59" name="PlaceHolder 4"/>
+          <p:cNvPr id="58" name="PlaceHolder 4"/>
           <p:cNvSpPr>
             <a:spLocks noGrp="1"/>
           </p:cNvSpPr>
@@ -1289,7 +1290,7 @@
       </p:grpSpPr>
       <p:sp>
         <p:nvSpPr>
-          <p:cNvPr id="60" name="PlaceHolder 1"/>
+          <p:cNvPr id="59" name="PlaceHolder 1"/>
           <p:cNvSpPr>
             <a:spLocks noGrp="1"/>
           </p:cNvSpPr>
@@ -1316,7 +1317,7 @@
       </p:sp>
       <p:sp>
         <p:nvSpPr>
-          <p:cNvPr id="61" name="PlaceHolder 2"/>
+          <p:cNvPr id="60" name="PlaceHolder 2"/>
           <p:cNvSpPr>
             <a:spLocks noGrp="1"/>
           </p:cNvSpPr>
@@ -1342,7 +1343,7 @@
       </p:sp>
       <p:sp>
         <p:nvSpPr>
-          <p:cNvPr id="62" name="PlaceHolder 3"/>
+          <p:cNvPr id="61" name="PlaceHolder 3"/>
           <p:cNvSpPr>
             <a:spLocks noGrp="1"/>
           </p:cNvSpPr>
@@ -1390,7 +1391,7 @@
       </p:grpSpPr>
       <p:sp>
         <p:nvSpPr>
-          <p:cNvPr id="63" name="PlaceHolder 1"/>
+          <p:cNvPr id="62" name="PlaceHolder 1"/>
           <p:cNvSpPr>
             <a:spLocks noGrp="1"/>
           </p:cNvSpPr>
@@ -1417,7 +1418,7 @@
       </p:sp>
       <p:sp>
         <p:nvSpPr>
-          <p:cNvPr id="64" name="PlaceHolder 2"/>
+          <p:cNvPr id="63" name="PlaceHolder 2"/>
           <p:cNvSpPr>
             <a:spLocks noGrp="1"/>
           </p:cNvSpPr>
@@ -1443,7 +1444,7 @@
       </p:sp>
       <p:sp>
         <p:nvSpPr>
-          <p:cNvPr id="65" name="PlaceHolder 3"/>
+          <p:cNvPr id="64" name="PlaceHolder 3"/>
           <p:cNvSpPr>
             <a:spLocks noGrp="1"/>
           </p:cNvSpPr>
@@ -1469,7 +1470,7 @@
       </p:sp>
       <p:sp>
         <p:nvSpPr>
-          <p:cNvPr id="66" name="PlaceHolder 4"/>
+          <p:cNvPr id="65" name="PlaceHolder 4"/>
           <p:cNvSpPr>
             <a:spLocks noGrp="1"/>
           </p:cNvSpPr>
@@ -1495,7 +1496,7 @@
       </p:sp>
       <p:sp>
         <p:nvSpPr>
-          <p:cNvPr id="67" name="PlaceHolder 5"/>
+          <p:cNvPr id="66" name="PlaceHolder 5"/>
           <p:cNvSpPr>
             <a:spLocks noGrp="1"/>
           </p:cNvSpPr>
@@ -1543,7 +1544,7 @@
       </p:grpSpPr>
       <p:sp>
         <p:nvSpPr>
-          <p:cNvPr id="68" name="PlaceHolder 1"/>
+          <p:cNvPr id="67" name="PlaceHolder 1"/>
           <p:cNvSpPr>
             <a:spLocks noGrp="1"/>
           </p:cNvSpPr>
@@ -1570,7 +1571,7 @@
       </p:sp>
       <p:sp>
         <p:nvSpPr>
-          <p:cNvPr id="69" name="PlaceHolder 2"/>
+          <p:cNvPr id="68" name="PlaceHolder 2"/>
           <p:cNvSpPr>
             <a:spLocks noGrp="1"/>
           </p:cNvSpPr>
@@ -1596,7 +1597,7 @@
       </p:sp>
       <p:sp>
         <p:nvSpPr>
-          <p:cNvPr id="70" name="PlaceHolder 3"/>
+          <p:cNvPr id="69" name="PlaceHolder 3"/>
           <p:cNvSpPr>
             <a:spLocks noGrp="1"/>
           </p:cNvSpPr>
@@ -1622,7 +1623,7 @@
       </p:sp>
       <p:pic>
         <p:nvPicPr>
-          <p:cNvPr id="71" name="" descr=""/>
+          <p:cNvPr id="70" name="" descr=""/>
           <p:cNvPicPr/>
           <p:nvPr/>
         </p:nvPicPr>
@@ -1645,7 +1646,7 @@
       </p:pic>
       <p:pic>
         <p:nvPicPr>
-          <p:cNvPr id="72" name="" descr=""/>
+          <p:cNvPr id="71" name="" descr=""/>
           <p:cNvPicPr/>
           <p:nvPr/>
         </p:nvPicPr>
@@ -1690,7 +1691,7 @@
       </p:grpSpPr>
       <p:sp>
         <p:nvSpPr>
-          <p:cNvPr id="5" name="PlaceHolder 1"/>
+          <p:cNvPr id="4" name="PlaceHolder 1"/>
           <p:cNvSpPr>
             <a:spLocks noGrp="1"/>
           </p:cNvSpPr>
@@ -1717,7 +1718,7 @@
       </p:sp>
       <p:sp>
         <p:nvSpPr>
-          <p:cNvPr id="6" name="PlaceHolder 2"/>
+          <p:cNvPr id="5" name="PlaceHolder 2"/>
           <p:cNvSpPr>
             <a:spLocks noGrp="1"/>
           </p:cNvSpPr>
@@ -1765,7 +1766,7 @@
       </p:grpSpPr>
       <p:sp>
         <p:nvSpPr>
-          <p:cNvPr id="7" name="PlaceHolder 1"/>
+          <p:cNvPr id="6" name="PlaceHolder 1"/>
           <p:cNvSpPr>
             <a:spLocks noGrp="1"/>
           </p:cNvSpPr>
@@ -1792,7 +1793,7 @@
       </p:sp>
       <p:sp>
         <p:nvSpPr>
-          <p:cNvPr id="8" name="PlaceHolder 2"/>
+          <p:cNvPr id="7" name="PlaceHolder 2"/>
           <p:cNvSpPr>
             <a:spLocks noGrp="1"/>
           </p:cNvSpPr>
@@ -1818,7 +1819,7 @@
       </p:sp>
       <p:sp>
         <p:nvSpPr>
-          <p:cNvPr id="9" name="PlaceHolder 3"/>
+          <p:cNvPr id="8" name="PlaceHolder 3"/>
           <p:cNvSpPr>
             <a:spLocks noGrp="1"/>
           </p:cNvSpPr>
@@ -1866,7 +1867,7 @@
       </p:grpSpPr>
       <p:sp>
         <p:nvSpPr>
-          <p:cNvPr id="10" name="PlaceHolder 1"/>
+          <p:cNvPr id="9" name="PlaceHolder 1"/>
           <p:cNvSpPr>
             <a:spLocks noGrp="1"/>
           </p:cNvSpPr>
@@ -1915,7 +1916,7 @@
       </p:grpSpPr>
       <p:sp>
         <p:nvSpPr>
-          <p:cNvPr id="11" name="PlaceHolder 1"/>
+          <p:cNvPr id="10" name="PlaceHolder 1"/>
           <p:cNvSpPr>
             <a:spLocks noGrp="1"/>
           </p:cNvSpPr>
@@ -1964,7 +1965,7 @@
       </p:grpSpPr>
       <p:sp>
         <p:nvSpPr>
-          <p:cNvPr id="12" name="PlaceHolder 1"/>
+          <p:cNvPr id="11" name="PlaceHolder 1"/>
           <p:cNvSpPr>
             <a:spLocks noGrp="1"/>
           </p:cNvSpPr>
@@ -1991,7 +1992,7 @@
       </p:sp>
       <p:sp>
         <p:nvSpPr>
-          <p:cNvPr id="13" name="PlaceHolder 2"/>
+          <p:cNvPr id="12" name="PlaceHolder 2"/>
           <p:cNvSpPr>
             <a:spLocks noGrp="1"/>
           </p:cNvSpPr>
@@ -2017,7 +2018,7 @@
       </p:sp>
       <p:sp>
         <p:nvSpPr>
-          <p:cNvPr id="14" name="PlaceHolder 3"/>
+          <p:cNvPr id="13" name="PlaceHolder 3"/>
           <p:cNvSpPr>
             <a:spLocks noGrp="1"/>
           </p:cNvSpPr>
@@ -2043,7 +2044,7 @@
       </p:sp>
       <p:sp>
         <p:nvSpPr>
-          <p:cNvPr id="15" name="PlaceHolder 4"/>
+          <p:cNvPr id="14" name="PlaceHolder 4"/>
           <p:cNvSpPr>
             <a:spLocks noGrp="1"/>
           </p:cNvSpPr>
@@ -2091,7 +2092,7 @@
       </p:grpSpPr>
       <p:sp>
         <p:nvSpPr>
-          <p:cNvPr id="16" name="PlaceHolder 1"/>
+          <p:cNvPr id="15" name="PlaceHolder 1"/>
           <p:cNvSpPr>
             <a:spLocks noGrp="1"/>
           </p:cNvSpPr>
@@ -2118,7 +2119,7 @@
       </p:sp>
       <p:sp>
         <p:nvSpPr>
-          <p:cNvPr id="17" name="PlaceHolder 2"/>
+          <p:cNvPr id="16" name="PlaceHolder 2"/>
           <p:cNvSpPr>
             <a:spLocks noGrp="1"/>
           </p:cNvSpPr>
@@ -2144,7 +2145,7 @@
       </p:sp>
       <p:sp>
         <p:nvSpPr>
-          <p:cNvPr id="18" name="PlaceHolder 3"/>
+          <p:cNvPr id="17" name="PlaceHolder 3"/>
           <p:cNvSpPr>
             <a:spLocks noGrp="1"/>
           </p:cNvSpPr>
@@ -2170,7 +2171,7 @@
       </p:sp>
       <p:sp>
         <p:nvSpPr>
-          <p:cNvPr id="19" name="PlaceHolder 4"/>
+          <p:cNvPr id="18" name="PlaceHolder 4"/>
           <p:cNvSpPr>
             <a:spLocks noGrp="1"/>
           </p:cNvSpPr>
@@ -2218,7 +2219,7 @@
       </p:grpSpPr>
       <p:sp>
         <p:nvSpPr>
-          <p:cNvPr id="20" name="PlaceHolder 1"/>
+          <p:cNvPr id="19" name="PlaceHolder 1"/>
           <p:cNvSpPr>
             <a:spLocks noGrp="1"/>
           </p:cNvSpPr>
@@ -2245,7 +2246,7 @@
       </p:sp>
       <p:sp>
         <p:nvSpPr>
-          <p:cNvPr id="21" name="PlaceHolder 2"/>
+          <p:cNvPr id="20" name="PlaceHolder 2"/>
           <p:cNvSpPr>
             <a:spLocks noGrp="1"/>
           </p:cNvSpPr>
@@ -2271,7 +2272,7 @@
       </p:sp>
       <p:sp>
         <p:nvSpPr>
-          <p:cNvPr id="22" name="PlaceHolder 3"/>
+          <p:cNvPr id="21" name="PlaceHolder 3"/>
           <p:cNvSpPr>
             <a:spLocks noGrp="1"/>
           </p:cNvSpPr>
@@ -2297,7 +2298,7 @@
       </p:sp>
       <p:sp>
         <p:nvSpPr>
-          <p:cNvPr id="23" name="PlaceHolder 4"/>
+          <p:cNvPr id="22" name="PlaceHolder 4"/>
           <p:cNvSpPr>
             <a:spLocks noGrp="1"/>
           </p:cNvSpPr>
@@ -2365,8 +2366,8 @@
         </p:nvSpPr>
         <p:spPr>
           <a:xfrm>
-            <a:off x="685800" y="120960"/>
-            <a:ext cx="7770240" cy="1429200"/>
+            <a:off x="457200" y="273600"/>
+            <a:ext cx="8228880" cy="1144440"/>
           </a:xfrm>
           <a:prstGeom prst="rect">
             <a:avLst/>
@@ -2387,40 +2388,13 @@
             <a:spLocks noGrp="1"/>
           </p:cNvSpPr>
           <p:nvPr>
-            <p:ph type="subTitle"/>
-          </p:nvPr>
-        </p:nvSpPr>
-        <p:spPr>
-          <a:xfrm>
-            <a:off x="685800" y="1869120"/>
-            <a:ext cx="7770240" cy="4256280"/>
-          </a:xfrm>
-          <a:prstGeom prst="rect">
-            <a:avLst/>
-          </a:prstGeom>
-        </p:spPr>
-        <p:txBody>
-          <a:bodyPr lIns="0" rIns="0" tIns="0" bIns="0" anchor="ctr"/>
-          <a:p>
-            <a:pPr algn="ctr"/>
-            <a:endParaRPr/>
-          </a:p>
-        </p:txBody>
-      </p:sp>
-      <p:sp>
-        <p:nvSpPr>
-          <p:cNvPr id="2" name="PlaceHolder 3"/>
-          <p:cNvSpPr>
-            <a:spLocks noGrp="1"/>
-          </p:cNvSpPr>
-          <p:nvPr>
             <p:ph type="body"/>
           </p:nvPr>
         </p:nvSpPr>
         <p:spPr>
           <a:xfrm>
             <a:off x="457200" y="1604520"/>
-            <a:ext cx="8229240" cy="3977280"/>
+            <a:ext cx="8228880" cy="3976920"/>
           </a:xfrm>
           <a:prstGeom prst="rect">
             <a:avLst/>
@@ -2438,7 +2412,7 @@
               <a:buChar char=""/>
             </a:pPr>
             <a:r>
-              <a:rPr b="0" lang="en-US" sz="3200" spc="-1">
+              <a:rPr b="0" lang="en-US" sz="1800" spc="-1">
                 <a:latin typeface="Arial"/>
               </a:rPr>
               <a:t>Click to edit the outline text format</a:t>
@@ -2455,7 +2429,7 @@
               <a:buChar char=""/>
             </a:pPr>
             <a:r>
-              <a:rPr b="0" lang="en-US" sz="2800" spc="-1">
+              <a:rPr b="0" lang="en-US" sz="1800" spc="-1">
                 <a:latin typeface="Arial"/>
               </a:rPr>
               <a:t>Second Outline Level</a:t>
@@ -2472,7 +2446,7 @@
               <a:buChar char=""/>
             </a:pPr>
             <a:r>
-              <a:rPr b="0" lang="en-US" sz="2400" spc="-1">
+              <a:rPr b="0" lang="en-US" sz="1800" spc="-1">
                 <a:latin typeface="Arial"/>
               </a:rPr>
               <a:t>Third Outline Level</a:t>
@@ -2489,7 +2463,7 @@
               <a:buChar char=""/>
             </a:pPr>
             <a:r>
-              <a:rPr b="0" lang="en-US" sz="2000" spc="-1">
+              <a:rPr b="0" lang="en-US" sz="1800" spc="-1">
                 <a:latin typeface="Arial"/>
               </a:rPr>
               <a:t>Fourth Outline Level</a:t>
@@ -2506,7 +2480,7 @@
               <a:buChar char=""/>
             </a:pPr>
             <a:r>
-              <a:rPr b="0" lang="en-US" sz="2000" spc="-1">
+              <a:rPr b="0" lang="en-US" sz="1800" spc="-1">
                 <a:latin typeface="Arial"/>
               </a:rPr>
               <a:t>Fifth Outline Level</a:t>
@@ -2523,7 +2497,7 @@
               <a:buChar char=""/>
             </a:pPr>
             <a:r>
-              <a:rPr b="0" lang="en-US" sz="2000" spc="-1">
+              <a:rPr b="0" lang="en-US" sz="1800" spc="-1">
                 <a:latin typeface="Arial"/>
               </a:rPr>
               <a:t>Sixth Outline Level</a:t>
@@ -2540,7 +2514,7 @@
               <a:buChar char=""/>
             </a:pPr>
             <a:r>
-              <a:rPr b="0" lang="en-US" sz="2000" spc="-1">
+              <a:rPr b="0" lang="en-US" sz="1800" spc="-1">
                 <a:latin typeface="Arial"/>
               </a:rPr>
               <a:t>Seventh Outline Level</a:t>
@@ -2598,7 +2572,7 @@
       </p:grpSpPr>
       <p:sp>
         <p:nvSpPr>
-          <p:cNvPr id="37" name="PlaceHolder 1"/>
+          <p:cNvPr id="36" name="PlaceHolder 1"/>
           <p:cNvSpPr>
             <a:spLocks noGrp="1"/>
           </p:cNvSpPr>
@@ -2631,7 +2605,7 @@
       </p:sp>
       <p:sp>
         <p:nvSpPr>
-          <p:cNvPr id="38" name="PlaceHolder 2"/>
+          <p:cNvPr id="37" name="PlaceHolder 2"/>
           <p:cNvSpPr>
             <a:spLocks noGrp="1"/>
           </p:cNvSpPr>
@@ -2810,14 +2784,14 @@
       </p:grpSpPr>
       <p:sp>
         <p:nvSpPr>
-          <p:cNvPr id="73" name="CustomShape 1"/>
+          <p:cNvPr id="72" name="CustomShape 1"/>
           <p:cNvSpPr/>
           <p:nvPr/>
         </p:nvSpPr>
         <p:spPr>
           <a:xfrm>
             <a:off x="0" y="2365200"/>
-            <a:ext cx="9143280" cy="977760"/>
+            <a:ext cx="9142920" cy="977400"/>
           </a:xfrm>
           <a:prstGeom prst="rect">
             <a:avLst/>
@@ -2836,7 +2810,11 @@
         <p:txBody>
           <a:bodyPr lIns="90000" rIns="90000" tIns="45000" bIns="45000" anchor="b"/>
           <a:p>
-            <a:pPr algn="ctr"/>
+            <a:pPr algn="ctr">
+              <a:lnSpc>
+                <a:spcPct val="100000"/>
+              </a:lnSpc>
+            </a:pPr>
             <a:r>
               <a:rPr b="0" lang="en-US" sz="4800" spc="-1" strike="noStrike">
                 <a:solidFill>
@@ -2848,6 +2826,7 @@
                   </a:solidFill>
                 </a:uFill>
                 <a:latin typeface="Gill Sans MT"/>
+                <a:ea typeface="DejaVu Sans"/>
               </a:rPr>
               <a:t>Software Carpentry Workshop</a:t>
             </a:r>
@@ -2870,6 +2849,7 @@
                   </a:solidFill>
                 </a:uFill>
                 <a:latin typeface="Gill Sans MT"/>
+                <a:ea typeface="DejaVu Sans"/>
               </a:rPr>
               <a:t>NIH Library</a:t>
             </a:r>
@@ -2879,14 +2859,14 @@
       </p:sp>
       <p:sp>
         <p:nvSpPr>
-          <p:cNvPr id="74" name="CustomShape 2"/>
+          <p:cNvPr id="73" name="CustomShape 2"/>
           <p:cNvSpPr/>
           <p:nvPr/>
         </p:nvSpPr>
         <p:spPr>
           <a:xfrm>
             <a:off x="685800" y="3441600"/>
-            <a:ext cx="7771680" cy="3148920"/>
+            <a:ext cx="7771320" cy="3148560"/>
           </a:xfrm>
           <a:prstGeom prst="rect">
             <a:avLst/>
@@ -2921,6 +2901,7 @@
                   </a:solidFill>
                 </a:uFill>
                 <a:latin typeface="Gill Sans MT"/>
+                <a:ea typeface="DejaVu Sans"/>
               </a:rPr>
               <a:t>15 Dec 2015 – Day 2</a:t>
             </a:r>
@@ -2951,6 +2932,7 @@
                   </a:solidFill>
                 </a:uFill>
                 <a:latin typeface="Gill Sans MT"/>
+                <a:ea typeface="DejaVu Sans"/>
               </a:rPr>
               <a:t>Version Control with Git</a:t>
             </a:r>
@@ -3009,14 +2991,14 @@
       </p:grpSpPr>
       <p:sp>
         <p:nvSpPr>
-          <p:cNvPr id="75" name="CustomShape 1"/>
+          <p:cNvPr id="74" name="CustomShape 1"/>
           <p:cNvSpPr/>
           <p:nvPr/>
         </p:nvSpPr>
         <p:spPr>
           <a:xfrm>
             <a:off x="685800" y="120960"/>
-            <a:ext cx="7770240" cy="1429200"/>
+            <a:ext cx="7769880" cy="1428840"/>
           </a:xfrm>
           <a:prstGeom prst="rect">
             <a:avLst/>
@@ -3051,6 +3033,7 @@
                   </a:solidFill>
                 </a:uFill>
                 <a:latin typeface="Gill Sans MT"/>
+                <a:ea typeface="DejaVu Sans"/>
               </a:rPr>
               <a:t>Git Workflow</a:t>
             </a:r>
@@ -3060,20 +3043,20 @@
       </p:sp>
       <p:sp>
         <p:nvSpPr>
-          <p:cNvPr id="76" name="CustomShape 2"/>
+          <p:cNvPr id="75" name="CustomShape 2"/>
           <p:cNvSpPr/>
           <p:nvPr/>
         </p:nvSpPr>
         <p:spPr>
           <a:xfrm>
             <a:off x="1227600" y="2250000"/>
-            <a:ext cx="1463040" cy="2926080"/>
+            <a:ext cx="1462680" cy="2925720"/>
           </a:xfrm>
           <a:custGeom>
             <a:avLst/>
             <a:gdLst/>
             <a:ahLst/>
-            <a:rect l="0" t="0" r="r" b="b"/>
+            <a:rect l="l" t="t" r="r" b="b"/>
             <a:pathLst>
               <a:path w="4066" h="8130">
                 <a:moveTo>
@@ -3132,20 +3115,46 @@
         <p:txBody>
           <a:bodyPr wrap="none" lIns="90000" rIns="90000" tIns="45000" bIns="45000"/>
           <a:p>
-            <a:pPr algn="ctr"/>
-            <a:r>
-              <a:rPr b="1" lang="en-US" sz="1800" spc="-1">
+            <a:pPr algn="ctr">
+              <a:lnSpc>
+                <a:spcPct val="100000"/>
+              </a:lnSpc>
+            </a:pPr>
+            <a:r>
+              <a:rPr b="1" lang="en-US" sz="1800" spc="-1" strike="noStrike">
+                <a:solidFill>
+                  <a:srgbClr val="000000"/>
+                </a:solidFill>
+                <a:uFill>
+                  <a:solidFill>
+                    <a:srgbClr val="ffffff"/>
+                  </a:solidFill>
+                </a:uFill>
                 <a:latin typeface="Arial"/>
+                <a:ea typeface="DejaVu Sans"/>
               </a:rPr>
               <a:t>Working</a:t>
             </a:r>
             <a:endParaRPr/>
           </a:p>
           <a:p>
-            <a:pPr algn="ctr"/>
-            <a:r>
-              <a:rPr b="1" lang="en-US" sz="1800" spc="-1">
+            <a:pPr algn="ctr">
+              <a:lnSpc>
+                <a:spcPct val="100000"/>
+              </a:lnSpc>
+            </a:pPr>
+            <a:r>
+              <a:rPr b="1" lang="en-US" sz="1800" spc="-1" strike="noStrike">
+                <a:solidFill>
+                  <a:srgbClr val="000000"/>
+                </a:solidFill>
+                <a:uFill>
+                  <a:solidFill>
+                    <a:srgbClr val="ffffff"/>
+                  </a:solidFill>
+                </a:uFill>
                 <a:latin typeface="Arial"/>
+                <a:ea typeface="DejaVu Sans"/>
               </a:rPr>
               <a:t>Directory</a:t>
             </a:r>
@@ -3155,20 +3164,20 @@
       </p:sp>
       <p:sp>
         <p:nvSpPr>
-          <p:cNvPr id="77" name="CustomShape 3"/>
+          <p:cNvPr id="76" name="CustomShape 3"/>
           <p:cNvSpPr/>
           <p:nvPr/>
         </p:nvSpPr>
         <p:spPr>
           <a:xfrm>
             <a:off x="2964960" y="2250000"/>
-            <a:ext cx="1463040" cy="2926080"/>
+            <a:ext cx="1462680" cy="2925720"/>
           </a:xfrm>
           <a:custGeom>
             <a:avLst/>
             <a:gdLst/>
             <a:ahLst/>
-            <a:rect l="0" t="0" r="r" b="b"/>
+            <a:rect l="l" t="t" r="r" b="b"/>
             <a:pathLst>
               <a:path w="4066" h="8130">
                 <a:moveTo>
@@ -3227,20 +3236,46 @@
         <p:txBody>
           <a:bodyPr wrap="none" lIns="90000" rIns="90000" tIns="45000" bIns="45000"/>
           <a:p>
-            <a:pPr algn="ctr"/>
-            <a:r>
-              <a:rPr b="1" lang="en-US" sz="1800" spc="-1">
+            <a:pPr algn="ctr">
+              <a:lnSpc>
+                <a:spcPct val="100000"/>
+              </a:lnSpc>
+            </a:pPr>
+            <a:r>
+              <a:rPr b="1" lang="en-US" sz="1800" spc="-1" strike="noStrike">
+                <a:solidFill>
+                  <a:srgbClr val="000000"/>
+                </a:solidFill>
+                <a:uFill>
+                  <a:solidFill>
+                    <a:srgbClr val="ffffff"/>
+                  </a:solidFill>
+                </a:uFill>
                 <a:latin typeface="Arial"/>
+                <a:ea typeface="DejaVu Sans"/>
               </a:rPr>
               <a:t>Staging</a:t>
             </a:r>
             <a:endParaRPr/>
           </a:p>
           <a:p>
-            <a:pPr algn="ctr"/>
-            <a:r>
-              <a:rPr b="1" lang="en-US" sz="1800" spc="-1">
+            <a:pPr algn="ctr">
+              <a:lnSpc>
+                <a:spcPct val="100000"/>
+              </a:lnSpc>
+            </a:pPr>
+            <a:r>
+              <a:rPr b="1" lang="en-US" sz="1800" spc="-1" strike="noStrike">
+                <a:solidFill>
+                  <a:srgbClr val="000000"/>
+                </a:solidFill>
+                <a:uFill>
+                  <a:solidFill>
+                    <a:srgbClr val="ffffff"/>
+                  </a:solidFill>
+                </a:uFill>
                 <a:latin typeface="Arial"/>
+                <a:ea typeface="DejaVu Sans"/>
               </a:rPr>
               <a:t>Area</a:t>
             </a:r>
@@ -3250,20 +3285,20 @@
       </p:sp>
       <p:sp>
         <p:nvSpPr>
-          <p:cNvPr id="78" name="CustomShape 4"/>
+          <p:cNvPr id="77" name="CustomShape 4"/>
           <p:cNvSpPr/>
           <p:nvPr/>
         </p:nvSpPr>
         <p:spPr>
           <a:xfrm>
             <a:off x="4683960" y="2250360"/>
-            <a:ext cx="1463040" cy="2926080"/>
+            <a:ext cx="1462680" cy="2925720"/>
           </a:xfrm>
           <a:custGeom>
             <a:avLst/>
             <a:gdLst/>
             <a:ahLst/>
-            <a:rect l="0" t="0" r="r" b="b"/>
+            <a:rect l="l" t="t" r="r" b="b"/>
             <a:pathLst>
               <a:path w="4066" h="8130">
                 <a:moveTo>
@@ -3322,20 +3357,46 @@
         <p:txBody>
           <a:bodyPr wrap="none" lIns="90000" rIns="90000" tIns="45000" bIns="45000"/>
           <a:p>
-            <a:pPr algn="ctr"/>
-            <a:r>
-              <a:rPr b="1" lang="en-US" sz="1800" spc="-1">
+            <a:pPr algn="ctr">
+              <a:lnSpc>
+                <a:spcPct val="100000"/>
+              </a:lnSpc>
+            </a:pPr>
+            <a:r>
+              <a:rPr b="1" lang="en-US" sz="1800" spc="-1" strike="noStrike">
+                <a:solidFill>
+                  <a:srgbClr val="000000"/>
+                </a:solidFill>
+                <a:uFill>
+                  <a:solidFill>
+                    <a:srgbClr val="ffffff"/>
+                  </a:solidFill>
+                </a:uFill>
                 <a:latin typeface="Arial"/>
+                <a:ea typeface="DejaVu Sans"/>
               </a:rPr>
               <a:t>Local</a:t>
             </a:r>
             <a:endParaRPr/>
           </a:p>
           <a:p>
-            <a:pPr algn="ctr"/>
-            <a:r>
-              <a:rPr b="1" lang="en-US" sz="1800" spc="-1">
+            <a:pPr algn="ctr">
+              <a:lnSpc>
+                <a:spcPct val="100000"/>
+              </a:lnSpc>
+            </a:pPr>
+            <a:r>
+              <a:rPr b="1" lang="en-US" sz="1800" spc="-1" strike="noStrike">
+                <a:solidFill>
+                  <a:srgbClr val="000000"/>
+                </a:solidFill>
+                <a:uFill>
+                  <a:solidFill>
+                    <a:srgbClr val="ffffff"/>
+                  </a:solidFill>
+                </a:uFill>
                 <a:latin typeface="Arial"/>
+                <a:ea typeface="DejaVu Sans"/>
               </a:rPr>
               <a:t>Repository</a:t>
             </a:r>
@@ -3345,20 +3406,20 @@
       </p:sp>
       <p:sp>
         <p:nvSpPr>
-          <p:cNvPr id="79" name="CustomShape 5"/>
+          <p:cNvPr id="78" name="CustomShape 5"/>
           <p:cNvSpPr/>
           <p:nvPr/>
         </p:nvSpPr>
         <p:spPr>
           <a:xfrm>
             <a:off x="6411960" y="2250360"/>
-            <a:ext cx="1463040" cy="2926080"/>
+            <a:ext cx="1462680" cy="2925720"/>
           </a:xfrm>
           <a:custGeom>
             <a:avLst/>
             <a:gdLst/>
             <a:ahLst/>
-            <a:rect l="0" t="0" r="r" b="b"/>
+            <a:rect l="l" t="t" r="r" b="b"/>
             <a:pathLst>
               <a:path w="4066" h="8130">
                 <a:moveTo>
@@ -3417,20 +3478,46 @@
         <p:txBody>
           <a:bodyPr wrap="none" lIns="90000" rIns="90000" tIns="45000" bIns="45000" anchor="b"/>
           <a:p>
-            <a:pPr algn="ctr"/>
-            <a:r>
-              <a:rPr b="1" lang="en-US" sz="1800" spc="-1">
+            <a:pPr algn="ctr">
+              <a:lnSpc>
+                <a:spcPct val="100000"/>
+              </a:lnSpc>
+            </a:pPr>
+            <a:r>
+              <a:rPr b="1" lang="en-US" sz="1800" spc="-1" strike="noStrike">
+                <a:solidFill>
+                  <a:srgbClr val="000000"/>
+                </a:solidFill>
+                <a:uFill>
+                  <a:solidFill>
+                    <a:srgbClr val="ffffff"/>
+                  </a:solidFill>
+                </a:uFill>
                 <a:latin typeface="Arial"/>
+                <a:ea typeface="DejaVu Sans"/>
               </a:rPr>
               <a:t>Remote</a:t>
             </a:r>
             <a:endParaRPr/>
           </a:p>
           <a:p>
-            <a:pPr algn="ctr"/>
-            <a:r>
-              <a:rPr b="1" lang="en-US" sz="1800" spc="-1">
+            <a:pPr algn="ctr">
+              <a:lnSpc>
+                <a:spcPct val="100000"/>
+              </a:lnSpc>
+            </a:pPr>
+            <a:r>
+              <a:rPr b="1" lang="en-US" sz="1800" spc="-1" strike="noStrike">
+                <a:solidFill>
+                  <a:srgbClr val="000000"/>
+                </a:solidFill>
+                <a:uFill>
+                  <a:solidFill>
+                    <a:srgbClr val="ffffff"/>
+                  </a:solidFill>
+                </a:uFill>
                 <a:latin typeface="Arial"/>
+                <a:ea typeface="DejaVu Sans"/>
               </a:rPr>
               <a:t>Repository</a:t>
             </a:r>
@@ -3440,20 +3527,20 @@
       </p:sp>
       <p:sp>
         <p:nvSpPr>
-          <p:cNvPr id="80" name="CustomShape 6"/>
+          <p:cNvPr id="79" name="CustomShape 6"/>
           <p:cNvSpPr/>
           <p:nvPr/>
         </p:nvSpPr>
         <p:spPr>
           <a:xfrm>
             <a:off x="1005840" y="2011680"/>
-            <a:ext cx="5303520" cy="3474720"/>
+            <a:ext cx="5303160" cy="3474360"/>
           </a:xfrm>
           <a:custGeom>
             <a:avLst/>
             <a:gdLst/>
             <a:ahLst/>
-            <a:rect l="0" t="0" r="r" b="b"/>
+            <a:rect l="l" t="t" r="r" b="b"/>
             <a:pathLst>
               <a:path w="14734" h="9654">
                 <a:moveTo>
@@ -3510,20 +3597,20 @@
       </p:sp>
       <p:sp>
         <p:nvSpPr>
-          <p:cNvPr id="81" name="CustomShape 7"/>
+          <p:cNvPr id="80" name="CustomShape 7"/>
           <p:cNvSpPr/>
           <p:nvPr/>
         </p:nvSpPr>
         <p:spPr>
           <a:xfrm>
             <a:off x="2266560" y="3480480"/>
-            <a:ext cx="1188720" cy="548640"/>
+            <a:ext cx="1188360" cy="548280"/>
           </a:xfrm>
           <a:custGeom>
             <a:avLst/>
             <a:gdLst/>
             <a:ahLst/>
-            <a:rect l="0" t="0" r="r" b="b"/>
+            <a:rect l="l" t="t" r="r" b="b"/>
             <a:pathLst>
               <a:path w="3304" h="1525">
                 <a:moveTo>
@@ -3568,10 +3655,23 @@
         <p:txBody>
           <a:bodyPr wrap="none" lIns="90000" rIns="90000" tIns="45000" bIns="45000" anchor="ctr"/>
           <a:p>
-            <a:pPr algn="ctr"/>
-            <a:r>
-              <a:rPr b="0" lang="en-US" sz="1800" spc="-1">
+            <a:pPr algn="ctr">
+              <a:lnSpc>
+                <a:spcPct val="100000"/>
+              </a:lnSpc>
+            </a:pPr>
+            <a:r>
+              <a:rPr b="0" lang="en-US" sz="1800" spc="-1" strike="noStrike">
+                <a:solidFill>
+                  <a:srgbClr val="000000"/>
+                </a:solidFill>
+                <a:uFill>
+                  <a:solidFill>
+                    <a:srgbClr val="ffffff"/>
+                  </a:solidFill>
+                </a:uFill>
                 <a:latin typeface="Arial"/>
+                <a:ea typeface="DejaVu Sans"/>
               </a:rPr>
               <a:t>add</a:t>
             </a:r>
@@ -3581,20 +3681,20 @@
       </p:sp>
       <p:sp>
         <p:nvSpPr>
-          <p:cNvPr id="82" name="CustomShape 8"/>
+          <p:cNvPr id="81" name="CustomShape 8"/>
           <p:cNvSpPr/>
           <p:nvPr/>
         </p:nvSpPr>
         <p:spPr>
           <a:xfrm>
             <a:off x="3994920" y="3480840"/>
-            <a:ext cx="1400040" cy="548640"/>
+            <a:ext cx="1399680" cy="548280"/>
           </a:xfrm>
           <a:custGeom>
             <a:avLst/>
             <a:gdLst/>
             <a:ahLst/>
-            <a:rect l="0" t="0" r="r" b="b"/>
+            <a:rect l="l" t="t" r="r" b="b"/>
             <a:pathLst>
               <a:path w="3890" h="1525">
                 <a:moveTo>
@@ -3639,10 +3739,23 @@
         <p:txBody>
           <a:bodyPr wrap="none" lIns="90000" rIns="90000" tIns="45000" bIns="45000" anchor="ctr"/>
           <a:p>
-            <a:pPr algn="ctr"/>
-            <a:r>
-              <a:rPr b="0" lang="en-US" sz="1800" spc="-1">
+            <a:pPr algn="ctr">
+              <a:lnSpc>
+                <a:spcPct val="100000"/>
+              </a:lnSpc>
+            </a:pPr>
+            <a:r>
+              <a:rPr b="0" lang="en-US" sz="1800" spc="-1" strike="noStrike">
+                <a:solidFill>
+                  <a:srgbClr val="000000"/>
+                </a:solidFill>
+                <a:uFill>
+                  <a:solidFill>
+                    <a:srgbClr val="ffffff"/>
+                  </a:solidFill>
+                </a:uFill>
                 <a:latin typeface="Arial"/>
+                <a:ea typeface="DejaVu Sans"/>
               </a:rPr>
               <a:t>commit</a:t>
             </a:r>
@@ -3652,20 +3765,20 @@
       </p:sp>
       <p:sp>
         <p:nvSpPr>
-          <p:cNvPr id="83" name="CustomShape 9"/>
+          <p:cNvPr id="82" name="CustomShape 9"/>
           <p:cNvSpPr/>
           <p:nvPr/>
         </p:nvSpPr>
         <p:spPr>
           <a:xfrm>
             <a:off x="5760720" y="3474720"/>
-            <a:ext cx="1188720" cy="548640"/>
+            <a:ext cx="1188360" cy="548280"/>
           </a:xfrm>
           <a:custGeom>
             <a:avLst/>
             <a:gdLst/>
             <a:ahLst/>
-            <a:rect l="0" t="0" r="r" b="b"/>
+            <a:rect l="l" t="t" r="r" b="b"/>
             <a:pathLst>
               <a:path w="3304" h="1525">
                 <a:moveTo>
@@ -3710,10 +3823,23 @@
         <p:txBody>
           <a:bodyPr wrap="none" lIns="90000" rIns="90000" tIns="45000" bIns="45000" anchor="ctr"/>
           <a:p>
-            <a:pPr algn="ctr"/>
-            <a:r>
-              <a:rPr b="0" lang="en-US" sz="1800" spc="-1">
+            <a:pPr algn="ctr">
+              <a:lnSpc>
+                <a:spcPct val="100000"/>
+              </a:lnSpc>
+            </a:pPr>
+            <a:r>
+              <a:rPr b="0" lang="en-US" sz="1800" spc="-1" strike="noStrike">
+                <a:solidFill>
+                  <a:srgbClr val="000000"/>
+                </a:solidFill>
+                <a:uFill>
+                  <a:solidFill>
+                    <a:srgbClr val="ffffff"/>
+                  </a:solidFill>
+                </a:uFill>
                 <a:latin typeface="Arial"/>
+                <a:ea typeface="DejaVu Sans"/>
               </a:rPr>
               <a:t>push</a:t>
             </a:r>
@@ -3723,20 +3849,20 @@
       </p:sp>
       <p:sp>
         <p:nvSpPr>
-          <p:cNvPr id="84" name="CustomShape 10"/>
+          <p:cNvPr id="83" name="CustomShape 10"/>
           <p:cNvSpPr/>
           <p:nvPr/>
         </p:nvSpPr>
         <p:spPr>
           <a:xfrm flipV="1" rot="10800000">
-            <a:off x="7223760" y="6023160"/>
-            <a:ext cx="5394960" cy="457200"/>
+            <a:off x="12618720" y="6479640"/>
+            <a:ext cx="5394600" cy="456840"/>
           </a:xfrm>
           <a:custGeom>
             <a:avLst/>
             <a:gdLst/>
             <a:ahLst/>
-            <a:rect l="0" t="0" r="r" b="b"/>
+            <a:rect l="l" t="t" r="r" b="b"/>
             <a:pathLst>
               <a:path w="14988" h="1272">
                 <a:moveTo>
@@ -3781,10 +3907,23 @@
         <p:txBody>
           <a:bodyPr wrap="none" lIns="90000" rIns="90000" tIns="45000" bIns="45000" anchor="ctr"/>
           <a:p>
-            <a:pPr algn="ctr"/>
-            <a:r>
-              <a:rPr b="0" lang="en-US" sz="1800" spc="-1">
+            <a:pPr algn="ctr">
+              <a:lnSpc>
+                <a:spcPct val="100000"/>
+              </a:lnSpc>
+            </a:pPr>
+            <a:r>
+              <a:rPr b="0" lang="en-US" sz="1800" spc="-1" strike="noStrike">
+                <a:solidFill>
+                  <a:srgbClr val="000000"/>
+                </a:solidFill>
+                <a:uFill>
+                  <a:solidFill>
+                    <a:srgbClr val="ffffff"/>
+                  </a:solidFill>
+                </a:uFill>
                 <a:latin typeface="Arial"/>
+                <a:ea typeface="DejaVu Sans"/>
               </a:rPr>
               <a:t>pull</a:t>
             </a:r>
@@ -3843,14 +3982,14 @@
       </p:grpSpPr>
       <p:sp>
         <p:nvSpPr>
-          <p:cNvPr id="85" name="CustomShape 1"/>
+          <p:cNvPr id="84" name="CustomShape 1"/>
           <p:cNvSpPr/>
           <p:nvPr/>
         </p:nvSpPr>
         <p:spPr>
           <a:xfrm>
             <a:off x="685800" y="196560"/>
-            <a:ext cx="7770240" cy="972000"/>
+            <a:ext cx="7769880" cy="971640"/>
           </a:xfrm>
           <a:prstGeom prst="rect">
             <a:avLst/>
@@ -3885,6 +4024,7 @@
                   </a:solidFill>
                 </a:uFill>
                 <a:latin typeface="Gill Sans MT"/>
+                <a:ea typeface="DejaVu Sans"/>
               </a:rPr>
               <a:t>Exercise #1</a:t>
             </a:r>
@@ -3894,14 +4034,14 @@
       </p:sp>
       <p:sp>
         <p:nvSpPr>
-          <p:cNvPr id="86" name="CustomShape 2"/>
+          <p:cNvPr id="85" name="CustomShape 2"/>
           <p:cNvSpPr/>
           <p:nvPr/>
         </p:nvSpPr>
         <p:spPr>
           <a:xfrm>
             <a:off x="640080" y="1737360"/>
-            <a:ext cx="7955280" cy="3840480"/>
+            <a:ext cx="7954920" cy="3840120"/>
           </a:xfrm>
           <a:prstGeom prst="rect">
             <a:avLst/>
@@ -3931,6 +4071,7 @@
                   </a:solidFill>
                 </a:uFill>
                 <a:latin typeface="Gill Sans MT"/>
+                <a:ea typeface="DejaVu Sans"/>
               </a:rPr>
               <a:t>1. Change to your home directory</a:t>
             </a:r>
@@ -3951,6 +4092,7 @@
                   </a:solidFill>
                 </a:uFill>
                 <a:latin typeface="Gill Sans MT"/>
+                <a:ea typeface="DejaVu Sans"/>
               </a:rPr>
               <a:t>2. Create swc_test_repo directory</a:t>
             </a:r>
@@ -3971,6 +4113,7 @@
                   </a:solidFill>
                 </a:uFill>
                 <a:latin typeface="Gill Sans MT"/>
+                <a:ea typeface="DejaVu Sans"/>
               </a:rPr>
               <a:t>3. Change into the swc_test_repo</a:t>
             </a:r>
@@ -3991,6 +4134,7 @@
                   </a:solidFill>
                 </a:uFill>
                 <a:latin typeface="Gill Sans MT"/>
+                <a:ea typeface="DejaVu Sans"/>
               </a:rPr>
               <a:t>4. Create a file called “institutes.txt”</a:t>
             </a:r>
@@ -4008,6 +4152,7 @@
                   </a:solidFill>
                 </a:uFill>
                 <a:latin typeface="Gill Sans MT"/>
+                <a:ea typeface="DejaVu Sans"/>
               </a:rPr>
               <a:t>	</a:t>
             </a:r>
@@ -4022,6 +4167,7 @@
                   </a:solidFill>
                 </a:uFill>
                 <a:latin typeface="Gill Sans MT"/>
+                <a:ea typeface="DejaVu Sans"/>
               </a:rPr>
               <a:t>with two lines:</a:t>
             </a:r>
@@ -4039,6 +4185,7 @@
                   </a:solidFill>
                 </a:uFill>
                 <a:latin typeface="Gill Sans MT"/>
+                <a:ea typeface="DejaVu Sans"/>
               </a:rPr>
               <a:t>	</a:t>
             </a:r>
@@ -4053,6 +4200,7 @@
                   </a:solidFill>
                 </a:uFill>
                 <a:latin typeface="Gill Sans MT"/>
+                <a:ea typeface="DejaVu Sans"/>
               </a:rPr>
               <a:t>	</a:t>
             </a:r>
@@ -4067,6 +4215,7 @@
                   </a:solidFill>
                 </a:uFill>
                 <a:latin typeface="Gill Sans MT"/>
+                <a:ea typeface="DejaVu Sans"/>
               </a:rPr>
               <a:t>NIMH</a:t>
             </a:r>
@@ -4084,6 +4233,7 @@
                   </a:solidFill>
                 </a:uFill>
                 <a:latin typeface="Gill Sans MT"/>
+                <a:ea typeface="DejaVu Sans"/>
               </a:rPr>
               <a:t>	</a:t>
             </a:r>
@@ -4098,6 +4248,7 @@
                   </a:solidFill>
                 </a:uFill>
                 <a:latin typeface="Gill Sans MT"/>
+                <a:ea typeface="DejaVu Sans"/>
               </a:rPr>
               <a:t>	</a:t>
             </a:r>
@@ -4112,6 +4263,7 @@
                   </a:solidFill>
                 </a:uFill>
                 <a:latin typeface="Gill Sans MT"/>
+                <a:ea typeface="DejaVu Sans"/>
               </a:rPr>
               <a:t>CIT</a:t>
             </a:r>
@@ -4135,6 +4287,7 @@
                   </a:solidFill>
                 </a:uFill>
                 <a:latin typeface="Gill Sans MT"/>
+                <a:ea typeface="DejaVu Sans"/>
               </a:rPr>
               <a:t> </a:t>
             </a:r>
@@ -4193,14 +4346,14 @@
       </p:grpSpPr>
       <p:sp>
         <p:nvSpPr>
-          <p:cNvPr id="87" name="CustomShape 1"/>
+          <p:cNvPr id="86" name="CustomShape 1"/>
           <p:cNvSpPr/>
           <p:nvPr/>
         </p:nvSpPr>
         <p:spPr>
           <a:xfrm>
             <a:off x="685800" y="196560"/>
-            <a:ext cx="7770240" cy="972000"/>
+            <a:ext cx="7769880" cy="971640"/>
           </a:xfrm>
           <a:prstGeom prst="rect">
             <a:avLst/>
@@ -4235,6 +4388,7 @@
                   </a:solidFill>
                 </a:uFill>
                 <a:latin typeface="Gill Sans MT"/>
+                <a:ea typeface="DejaVu Sans"/>
               </a:rPr>
               <a:t>Exercise #2</a:t>
             </a:r>
@@ -4244,14 +4398,14 @@
       </p:sp>
       <p:sp>
         <p:nvSpPr>
-          <p:cNvPr id="88" name="CustomShape 2"/>
+          <p:cNvPr id="87" name="CustomShape 2"/>
           <p:cNvSpPr/>
           <p:nvPr/>
         </p:nvSpPr>
         <p:spPr>
           <a:xfrm>
             <a:off x="640080" y="1280160"/>
-            <a:ext cx="7955280" cy="5303520"/>
+            <a:ext cx="7954920" cy="5303160"/>
           </a:xfrm>
           <a:prstGeom prst="rect">
             <a:avLst/>
@@ -4281,6 +4435,7 @@
                   </a:solidFill>
                 </a:uFill>
                 <a:latin typeface="Gill Sans MT"/>
+                <a:ea typeface="DejaVu Sans"/>
               </a:rPr>
               <a:t>1. Create git repository in the swc_test_repo directory</a:t>
             </a:r>
@@ -4301,6 +4456,7 @@
                   </a:solidFill>
                 </a:uFill>
                 <a:latin typeface="Gill Sans MT"/>
+                <a:ea typeface="DejaVu Sans"/>
               </a:rPr>
               <a:t>2. Start tracking “institutes.txt”</a:t>
             </a:r>
@@ -4321,6 +4477,7 @@
                   </a:solidFill>
                 </a:uFill>
                 <a:latin typeface="Gill Sans MT"/>
+                <a:ea typeface="DejaVu Sans"/>
               </a:rPr>
               <a:t>3. What is the status of “institutes.txt”?</a:t>
             </a:r>
@@ -4338,6 +4495,7 @@
                   </a:solidFill>
                 </a:uFill>
                 <a:latin typeface="Gill Sans MT"/>
+                <a:ea typeface="DejaVu Sans"/>
               </a:rPr>
               <a:t> </a:t>
             </a:r>
@@ -4396,14 +4554,14 @@
       </p:grpSpPr>
       <p:sp>
         <p:nvSpPr>
-          <p:cNvPr id="89" name="CustomShape 1"/>
+          <p:cNvPr id="88" name="CustomShape 1"/>
           <p:cNvSpPr/>
           <p:nvPr/>
         </p:nvSpPr>
         <p:spPr>
           <a:xfrm>
             <a:off x="685800" y="196560"/>
-            <a:ext cx="7770240" cy="972000"/>
+            <a:ext cx="7769880" cy="971640"/>
           </a:xfrm>
           <a:prstGeom prst="rect">
             <a:avLst/>
@@ -4438,6 +4596,7 @@
                   </a:solidFill>
                 </a:uFill>
                 <a:latin typeface="Gill Sans MT"/>
+                <a:ea typeface="DejaVu Sans"/>
               </a:rPr>
               <a:t>Exercise #3</a:t>
             </a:r>
@@ -4447,14 +4606,14 @@
       </p:sp>
       <p:sp>
         <p:nvSpPr>
-          <p:cNvPr id="90" name="CustomShape 2"/>
+          <p:cNvPr id="89" name="CustomShape 2"/>
           <p:cNvSpPr/>
           <p:nvPr/>
         </p:nvSpPr>
         <p:spPr>
           <a:xfrm>
             <a:off x="640080" y="1280160"/>
-            <a:ext cx="7955280" cy="5303520"/>
+            <a:ext cx="7954920" cy="5303160"/>
           </a:xfrm>
           <a:prstGeom prst="rect">
             <a:avLst/>
@@ -4484,6 +4643,7 @@
                   </a:solidFill>
                 </a:uFill>
                 <a:latin typeface="Gill Sans MT"/>
+                <a:ea typeface="DejaVu Sans"/>
               </a:rPr>
               <a:t>1. Modify “institutes.txt” and save your changes.</a:t>
             </a:r>
@@ -4504,6 +4664,7 @@
                   </a:solidFill>
                 </a:uFill>
                 <a:latin typeface="Gill Sans MT"/>
+                <a:ea typeface="DejaVu Sans"/>
               </a:rPr>
               <a:t>2. Add “institutes.txt” to your staging area</a:t>
             </a:r>
@@ -4524,6 +4685,7 @@
                   </a:solidFill>
                 </a:uFill>
                 <a:latin typeface="Gill Sans MT"/>
+                <a:ea typeface="DejaVu Sans"/>
               </a:rPr>
               <a:t>3. Remove “institutes.txt” from your staging area</a:t>
             </a:r>
@@ -4544,6 +4706,7 @@
                   </a:solidFill>
                 </a:uFill>
                 <a:latin typeface="Gill Sans MT"/>
+                <a:ea typeface="DejaVu Sans"/>
               </a:rPr>
               <a:t>4. Unmodify “institutes.txt”</a:t>
             </a:r>
@@ -4602,14 +4765,14 @@
       </p:grpSpPr>
       <p:sp>
         <p:nvSpPr>
-          <p:cNvPr id="91" name="CustomShape 1"/>
+          <p:cNvPr id="90" name="CustomShape 1"/>
           <p:cNvSpPr/>
           <p:nvPr/>
         </p:nvSpPr>
         <p:spPr>
           <a:xfrm>
             <a:off x="685800" y="196560"/>
-            <a:ext cx="7770240" cy="972000"/>
+            <a:ext cx="7769880" cy="971640"/>
           </a:xfrm>
           <a:prstGeom prst="rect">
             <a:avLst/>
@@ -4644,6 +4807,7 @@
                   </a:solidFill>
                 </a:uFill>
                 <a:latin typeface="Gill Sans MT"/>
+                <a:ea typeface="DejaVu Sans"/>
               </a:rPr>
               <a:t>Exercise #4</a:t>
             </a:r>
@@ -4653,14 +4817,14 @@
       </p:sp>
       <p:sp>
         <p:nvSpPr>
-          <p:cNvPr id="92" name="CustomShape 2"/>
+          <p:cNvPr id="91" name="CustomShape 2"/>
           <p:cNvSpPr/>
           <p:nvPr/>
         </p:nvSpPr>
         <p:spPr>
           <a:xfrm>
             <a:off x="640080" y="1280160"/>
-            <a:ext cx="7955280" cy="5303520"/>
+            <a:ext cx="7954920" cy="5303160"/>
           </a:xfrm>
           <a:prstGeom prst="rect">
             <a:avLst/>
@@ -4690,6 +4854,7 @@
                   </a:solidFill>
                 </a:uFill>
                 <a:latin typeface="Gill Sans MT"/>
+                <a:ea typeface="DejaVu Sans"/>
               </a:rPr>
               <a:t>1. Modify “institutes.txt” again and save your changes.</a:t>
             </a:r>
@@ -4710,6 +4875,7 @@
                   </a:solidFill>
                 </a:uFill>
                 <a:latin typeface="Gill Sans MT"/>
+                <a:ea typeface="DejaVu Sans"/>
               </a:rPr>
               <a:t>2. Use git diff to view the changes</a:t>
             </a:r>
@@ -4730,6 +4896,7 @@
                   </a:solidFill>
                 </a:uFill>
                 <a:latin typeface="Gill Sans MT"/>
+                <a:ea typeface="DejaVu Sans"/>
               </a:rPr>
               <a:t>3. Stage your changes</a:t>
             </a:r>
@@ -4750,6 +4917,7 @@
                   </a:solidFill>
                 </a:uFill>
                 <a:latin typeface="Gill Sans MT"/>
+                <a:ea typeface="DejaVu Sans"/>
               </a:rPr>
               <a:t>4. Run git diff again.</a:t>
             </a:r>
@@ -4770,6 +4938,7 @@
                   </a:solidFill>
                 </a:uFill>
                 <a:latin typeface="Gill Sans MT"/>
+                <a:ea typeface="DejaVu Sans"/>
               </a:rPr>
               <a:t>5. Commit the changes made to the file</a:t>
             </a:r>
@@ -4786,6 +4955,293 @@
           <p:childTnLst>
             <p:seq>
               <p:cTn id="12" nodeType="mainSeq"/>
+              <p:prevCondLst>
+                <p:cond delay="0" evt="onPrev">
+                  <p:tgtEl>
+                    <p:sldTgt/>
+                  </p:tgtEl>
+                </p:cond>
+              </p:prevCondLst>
+              <p:nextCondLst>
+                <p:cond delay="0" evt="onNext">
+                  <p:tgtEl>
+                    <p:sldTgt/>
+                  </p:tgtEl>
+                </p:cond>
+              </p:nextCondLst>
+            </p:seq>
+          </p:childTnLst>
+        </p:cTn>
+      </p:par>
+    </p:tnLst>
+  </p:timing>
+</p:sld>
+</file>
+
+<file path=ppt/slides/slide7.xml><?xml version="1.0" encoding="utf-8"?>
+<p:sld xmlns:a="http://schemas.openxmlformats.org/drawingml/2006/main" xmlns:p="http://schemas.openxmlformats.org/presentationml/2006/main" xmlns:r="http://schemas.openxmlformats.org/officeDocument/2006/relationships">
+  <p:cSld>
+    <p:spTree>
+      <p:nvGrpSpPr>
+        <p:cNvPr id="1" name=""/>
+        <p:cNvGrpSpPr/>
+        <p:nvPr/>
+      </p:nvGrpSpPr>
+      <p:grpSpPr>
+        <a:xfrm>
+          <a:off x="0" y="0"/>
+          <a:ext cx="0" cy="0"/>
+          <a:chOff x="0" y="0"/>
+          <a:chExt cx="0" cy="0"/>
+        </a:xfrm>
+      </p:grpSpPr>
+      <p:sp>
+        <p:nvSpPr>
+          <p:cNvPr id="92" name="CustomShape 1"/>
+          <p:cNvSpPr/>
+          <p:nvPr/>
+        </p:nvSpPr>
+        <p:spPr>
+          <a:xfrm>
+            <a:off x="685800" y="196560"/>
+            <a:ext cx="7769880" cy="971640"/>
+          </a:xfrm>
+          <a:prstGeom prst="rect">
+            <a:avLst/>
+          </a:prstGeom>
+          <a:noFill/>
+          <a:ln>
+            <a:noFill/>
+          </a:ln>
+        </p:spPr>
+        <p:style>
+          <a:lnRef idx="0"/>
+          <a:fillRef idx="0"/>
+          <a:effectRef idx="0"/>
+          <a:fontRef idx="minor"/>
+        </p:style>
+        <p:txBody>
+          <a:bodyPr lIns="90000" rIns="90000" tIns="45000" bIns="45000" anchor="ctr"/>
+          <a:p>
+            <a:pPr algn="ctr">
+              <a:lnSpc>
+                <a:spcPct val="100000"/>
+              </a:lnSpc>
+            </a:pPr>
+            <a:r>
+              <a:rPr b="0" lang="en-US" sz="4800" spc="-1" strike="noStrike">
+                <a:solidFill>
+                  <a:srgbClr val="ffffff"/>
+                </a:solidFill>
+                <a:uFill>
+                  <a:solidFill>
+                    <a:srgbClr val="ffffff"/>
+                  </a:solidFill>
+                </a:uFill>
+                <a:latin typeface="Gill Sans MT"/>
+                <a:ea typeface="DejaVu Sans"/>
+              </a:rPr>
+              <a:t>Resources</a:t>
+            </a:r>
+            <a:endParaRPr/>
+          </a:p>
+        </p:txBody>
+      </p:sp>
+      <p:sp>
+        <p:nvSpPr>
+          <p:cNvPr id="93" name="CustomShape 2"/>
+          <p:cNvSpPr/>
+          <p:nvPr/>
+        </p:nvSpPr>
+        <p:spPr>
+          <a:xfrm>
+            <a:off x="640080" y="1280160"/>
+            <a:ext cx="7954920" cy="5303160"/>
+          </a:xfrm>
+          <a:prstGeom prst="rect">
+            <a:avLst/>
+          </a:prstGeom>
+          <a:noFill/>
+          <a:ln>
+            <a:noFill/>
+          </a:ln>
+        </p:spPr>
+        <p:style>
+          <a:lnRef idx="0"/>
+          <a:fillRef idx="0"/>
+          <a:effectRef idx="0"/>
+          <a:fontRef idx="minor"/>
+        </p:style>
+        <p:txBody>
+          <a:bodyPr lIns="90000" rIns="90000" tIns="45000" bIns="45000"/>
+          <a:p>
+            <a:r>
+              <a:rPr b="0" lang="en-US" sz="2400" spc="-1" strike="noStrike">
+                <a:solidFill>
+                  <a:srgbClr val="ffffff"/>
+                </a:solidFill>
+                <a:uFill>
+                  <a:solidFill>
+                    <a:srgbClr val="ffffff"/>
+                  </a:solidFill>
+                </a:uFill>
+                <a:latin typeface="Gill Sans MT"/>
+                <a:ea typeface="DejaVu Sans"/>
+              </a:rPr>
+              <a:t># The Git Book</a:t>
+            </a:r>
+            <a:endParaRPr/>
+          </a:p>
+          <a:p>
+            <a:r>
+              <a:rPr b="0" lang="en-US" sz="2400" spc="-1" strike="noStrike">
+                <a:solidFill>
+                  <a:srgbClr val="ffffff"/>
+                </a:solidFill>
+                <a:uFill>
+                  <a:solidFill>
+                    <a:srgbClr val="ffffff"/>
+                  </a:solidFill>
+                </a:uFill>
+                <a:latin typeface="Gill Sans MT"/>
+                <a:ea typeface="DejaVu Sans"/>
+                <a:hlinkClick r:id="rId1"/>
+              </a:rPr>
+              <a:t>https://git-scm.com/book/en/v2</a:t>
+            </a:r>
+            <a:endParaRPr/>
+          </a:p>
+          <a:p>
+            <a:endParaRPr/>
+          </a:p>
+          <a:p>
+            <a:r>
+              <a:rPr b="0" lang="en-US" sz="2400" spc="-1" strike="noStrike">
+                <a:solidFill>
+                  <a:srgbClr val="ffffff"/>
+                </a:solidFill>
+                <a:uFill>
+                  <a:solidFill>
+                    <a:srgbClr val="ffffff"/>
+                  </a:solidFill>
+                </a:uFill>
+                <a:latin typeface="Gill Sans MT"/>
+                <a:ea typeface="DejaVu Sans"/>
+              </a:rPr>
+              <a:t># GitHub Guides</a:t>
+            </a:r>
+            <a:endParaRPr/>
+          </a:p>
+          <a:p>
+            <a:r>
+              <a:rPr b="0" lang="en-US" sz="2400" spc="-1" strike="noStrike">
+                <a:solidFill>
+                  <a:srgbClr val="ffffff"/>
+                </a:solidFill>
+                <a:uFill>
+                  <a:solidFill>
+                    <a:srgbClr val="ffffff"/>
+                  </a:solidFill>
+                </a:uFill>
+                <a:latin typeface="Gill Sans MT"/>
+                <a:ea typeface="DejaVu Sans"/>
+                <a:hlinkClick r:id="rId2"/>
+              </a:rPr>
+              <a:t>https://guides.github.com/activities/hello-world/</a:t>
+            </a:r>
+            <a:endParaRPr/>
+          </a:p>
+          <a:p>
+            <a:endParaRPr/>
+          </a:p>
+          <a:p>
+            <a:r>
+              <a:rPr b="0" lang="en-US" sz="2400" spc="-1" strike="noStrike">
+                <a:solidFill>
+                  <a:srgbClr val="ffffff"/>
+                </a:solidFill>
+                <a:uFill>
+                  <a:solidFill>
+                    <a:srgbClr val="ffffff"/>
+                  </a:solidFill>
+                </a:uFill>
+                <a:latin typeface="Gill Sans MT"/>
+                <a:ea typeface="DejaVu Sans"/>
+              </a:rPr>
+              <a:t># Git Tutorials</a:t>
+            </a:r>
+            <a:endParaRPr/>
+          </a:p>
+          <a:p>
+            <a:r>
+              <a:rPr b="0" lang="en-US" sz="2400" spc="-1" strike="noStrike">
+                <a:solidFill>
+                  <a:srgbClr val="ffffff"/>
+                </a:solidFill>
+                <a:uFill>
+                  <a:solidFill>
+                    <a:srgbClr val="ffffff"/>
+                  </a:solidFill>
+                </a:uFill>
+                <a:latin typeface="Gill Sans MT"/>
+                <a:ea typeface="DejaVu Sans"/>
+                <a:hlinkClick r:id="rId3"/>
+              </a:rPr>
+              <a:t>https://www.atlassian.com/git/tutorials/setting-up-a-repository</a:t>
+            </a:r>
+            <a:endParaRPr/>
+          </a:p>
+          <a:p>
+            <a:endParaRPr/>
+          </a:p>
+          <a:p>
+            <a:r>
+              <a:rPr b="0" lang="en-US" sz="2400" spc="-1" strike="noStrike">
+                <a:solidFill>
+                  <a:srgbClr val="ffffff"/>
+                </a:solidFill>
+                <a:uFill>
+                  <a:solidFill>
+                    <a:srgbClr val="ffffff"/>
+                  </a:solidFill>
+                </a:uFill>
+                <a:latin typeface="Gill Sans MT"/>
+                <a:ea typeface="DejaVu Sans"/>
+              </a:rPr>
+              <a:t># Software Carpentry</a:t>
+            </a:r>
+            <a:endParaRPr/>
+          </a:p>
+          <a:p>
+            <a:r>
+              <a:rPr b="0" lang="en-US" sz="2400" spc="-1" strike="noStrike">
+                <a:solidFill>
+                  <a:srgbClr val="ffffff"/>
+                </a:solidFill>
+                <a:uFill>
+                  <a:solidFill>
+                    <a:srgbClr val="ffffff"/>
+                  </a:solidFill>
+                </a:uFill>
+                <a:latin typeface="Gill Sans MT"/>
+                <a:ea typeface="DejaVu Sans"/>
+                <a:hlinkClick r:id="rId4"/>
+              </a:rPr>
+              <a:t>http://swcarpentry.github.io/git-novice/</a:t>
+            </a:r>
+            <a:endParaRPr/>
+          </a:p>
+        </p:txBody>
+      </p:sp>
+    </p:spTree>
+  </p:cSld>
+  <p:timing>
+    <p:tnLst>
+      <p:par>
+        <p:cTn id="13" dur="indefinite" restart="never" nodeType="tmRoot">
+          <p:childTnLst>
+            <p:seq>
+              <p:cTn id="14" nodeType="mainSeq"/>
               <p:prevCondLst>
                 <p:cond delay="0" evt="onPrev">
                   <p:tgtEl>
